--- a/bot/ai_generator/presentation_templates/Luminous.pptx
+++ b/bot/ai_generator/presentation_templates/Luminous.pptx
@@ -226,7 +226,7 @@
           <a:p>
             <a:fld id="{187C06C4-C5A6-48FB-97F5-B20A44F857E9}" type="datetimeFigureOut">
               <a:rPr lang="en-US" smtClean="0"/>
-              <a:t>4/13/2023</a:t>
+              <a:t>5/5/2023</a:t>
             </a:fld>
             <a:endParaRPr lang="en-US"/>
           </a:p>
@@ -403,7 +403,7 @@
           <a:p>
             <a:fld id="{F8F2B2CC-0155-4E5E-A890-531D58ADF5B2}" type="datetimeFigureOut">
               <a:rPr lang="en-US" smtClean="0"/>
-              <a:t>4/13/2023</a:t>
+              <a:t>5/5/2023</a:t>
             </a:fld>
             <a:endParaRPr lang="en-US"/>
           </a:p>
@@ -4824,7 +4824,7 @@
                 </a:solidFill>
               </a:rPr>
               <a:pPr/>
-              <a:t>4/13/2023</a:t>
+              <a:t>5/5/2023</a:t>
             </a:fld>
             <a:endParaRPr lang="en-US" dirty="0">
               <a:solidFill>
@@ -5702,13 +5702,13 @@
         </p:nvSpPr>
         <p:spPr/>
         <p:txBody>
-          <a:bodyPr/>
-          <a:lstStyle/>
-          <a:p>
-            <a:r>
-              <a:rPr lang="en-US"/>
-              <a:t>Click to edit Master title style</a:t>
-            </a:r>
+          <a:bodyPr anchor="b"/>
+          <a:lstStyle>
+            <a:lvl1pPr>
+              <a:defRPr/>
+            </a:lvl1pPr>
+          </a:lstStyle>
+          <a:p>
             <a:endParaRPr lang="en-US" dirty="0"/>
           </a:p>
         </p:txBody>
@@ -5729,14 +5729,19 @@
             <p:ph idx="1"/>
           </p:nvPr>
         </p:nvSpPr>
-        <p:spPr/>
+        <p:spPr>
+          <a:xfrm>
+            <a:off x="838200" y="2006600"/>
+            <a:ext cx="10515600" cy="4170363"/>
+          </a:xfrm>
+        </p:spPr>
         <p:txBody>
           <a:bodyPr/>
           <a:lstStyle>
-            <a:lvl1pPr>
+            <a:lvl1pPr marL="228600" indent="0">
               <a:buFont typeface="Wingdings" panose="05000000000000000000" pitchFamily="2" charset="2"/>
-              <a:buChar char="§"/>
-              <a:defRPr/>
+              <a:buNone/>
+              <a:defRPr sz="2300"/>
             </a:lvl1pPr>
             <a:lvl2pPr marL="685800" indent="-228600">
               <a:buFont typeface="Wingdings" panose="05000000000000000000" pitchFamily="2" charset="2"/>
@@ -5787,7 +5792,7 @@
           <a:lstStyle/>
           <a:p>
             <a:r>
-              <a:rPr lang="en-US"/>
+              <a:rPr lang="en-US" dirty="0"/>
               <a:t>20xx</a:t>
             </a:r>
           </a:p>
@@ -7444,10 +7449,6 @@
             </a:lvl1pPr>
           </a:lstStyle>
           <a:p>
-            <a:r>
-              <a:rPr lang="en-US"/>
-              <a:t>Click to edit Master title style</a:t>
-            </a:r>
             <a:endParaRPr lang="en-US" dirty="0"/>
           </a:p>
         </p:txBody>
@@ -7470,9 +7471,14 @@
         </p:nvSpPr>
         <p:spPr>
           <a:xfrm>
-            <a:off x="5183188" y="685801"/>
-            <a:ext cx="6172200" cy="5175250"/>
-          </a:xfrm>
+            <a:off x="5180012" y="1663700"/>
+            <a:ext cx="6172200" cy="3530600"/>
+          </a:xfrm>
+          <a:prstGeom prst="roundRect">
+            <a:avLst>
+              <a:gd name="adj" fmla="val 6235"/>
+            </a:avLst>
+          </a:prstGeom>
         </p:spPr>
         <p:txBody>
           <a:bodyPr/>
@@ -7515,10 +7521,7 @@
             </a:lvl9pPr>
           </a:lstStyle>
           <a:p>
-            <a:r>
-              <a:rPr lang="en-US"/>
-              <a:t>Click icon to add picture</a:t>
-            </a:r>
+            <a:endParaRPr lang="en-US" dirty="0"/>
           </a:p>
         </p:txBody>
       </p:sp>
@@ -7540,16 +7543,18 @@
         </p:nvSpPr>
         <p:spPr>
           <a:xfrm>
-            <a:off x="839788" y="2209800"/>
-            <a:ext cx="3932237" cy="3659188"/>
-          </a:xfrm>
-        </p:spPr>
-        <p:txBody>
-          <a:bodyPr/>
+            <a:off x="839788" y="2057400"/>
+            <a:ext cx="3932237" cy="4013200"/>
+          </a:xfrm>
+        </p:spPr>
+        <p:txBody>
+          <a:bodyPr>
+            <a:noAutofit/>
+          </a:bodyPr>
           <a:lstStyle>
             <a:lvl1pPr marL="0" indent="0">
               <a:buNone/>
-              <a:defRPr sz="1600"/>
+              <a:defRPr sz="1700"/>
             </a:lvl1pPr>
             <a:lvl2pPr marL="457200" indent="0">
               <a:buNone/>
@@ -7586,10 +7591,7 @@
           </a:lstStyle>
           <a:p>
             <a:pPr lvl="0"/>
-            <a:r>
-              <a:rPr lang="en-US"/>
-              <a:t>Click to edit Master text styles</a:t>
-            </a:r>
+            <a:endParaRPr lang="en-US" dirty="0"/>
           </a:p>
         </p:txBody>
       </p:sp>
@@ -9265,34 +9267,6 @@
 </file>
 
 <file path=customXml/item1.xml><?xml version="1.0" encoding="utf-8"?>
-<p:properties xmlns:p="http://schemas.microsoft.com/office/2006/metadata/properties" xmlns:xsi="http://www.w3.org/2001/XMLSchema-instance" xmlns:pc="http://schemas.microsoft.com/office/infopath/2007/PartnerControls">
-  <documentManagement>
-    <Status xmlns="71af3243-3dd4-4a8d-8c0d-dd76da1f02a5">Not started</Status>
-    <_ip_UnifiedCompliancePolicyUIAction xmlns="http://schemas.microsoft.com/sharepoint/v3" xsi:nil="true"/>
-    <Image xmlns="71af3243-3dd4-4a8d-8c0d-dd76da1f02a5">
-      <Url xsi:nil="true"/>
-      <Description xsi:nil="true"/>
-    </Image>
-    <_ip_UnifiedCompliancePolicyProperties xmlns="http://schemas.microsoft.com/sharepoint/v3" xsi:nil="true"/>
-    <lcf76f155ced4ddcb4097134ff3c332f xmlns="71af3243-3dd4-4a8d-8c0d-dd76da1f02a5">
-      <Terms xmlns="http://schemas.microsoft.com/office/infopath/2007/PartnerControls"/>
-    </lcf76f155ced4ddcb4097134ff3c332f>
-    <TaxCatchAll xmlns="230e9df3-be65-4c73-a93b-d1236ebd677e"/>
-    <MediaServiceKeyPoints xmlns="71af3243-3dd4-4a8d-8c0d-dd76da1f02a5" xsi:nil="true"/>
-  </documentManagement>
-</p:properties>
-</file>
-
-<file path=customXml/item2.xml><?xml version="1.0" encoding="utf-8"?>
-<?mso-contentType ?>
-<FormTemplates xmlns="http://schemas.microsoft.com/sharepoint/v3/contenttype/forms">
-  <Display>DocumentLibraryForm</Display>
-  <Edit>DocumentLibraryForm</Edit>
-  <New>DocumentLibraryForm</New>
-</FormTemplates>
-</file>
-
-<file path=customXml/item3.xml><?xml version="1.0" encoding="utf-8"?>
 <ct:contentTypeSchema xmlns:ct="http://schemas.microsoft.com/office/2006/metadata/contentType" xmlns:ma="http://schemas.microsoft.com/office/2006/metadata/properties/metaAttributes" ct:_="" ma:_="" ma:contentTypeName="Document" ma:contentTypeID="0x01010079F111ED35F8CC479449609E8A0923A6" ma:contentTypeVersion="18" ma:contentTypeDescription="Create a new document." ma:contentTypeScope="" ma:versionID="22a266b9fa9a230c5a512669d8b298c3">
   <xsd:schema xmlns:xsd="http://www.w3.org/2001/XMLSchema" xmlns:xs="http://www.w3.org/2001/XMLSchema" xmlns:p="http://schemas.microsoft.com/office/2006/metadata/properties" xmlns:ns1="http://schemas.microsoft.com/sharepoint/v3" xmlns:ns2="71af3243-3dd4-4a8d-8c0d-dd76da1f02a5" xmlns:ns3="16c05727-aa75-4e4a-9b5f-8a80a1165891" xmlns:ns4="230e9df3-be65-4c73-a93b-d1236ebd677e" targetNamespace="http://schemas.microsoft.com/office/2006/metadata/properties" ma:root="true" ma:fieldsID="eddc33fff6b14141ee5c74a0d29ea6a1" ns1:_="" ns2:_="" ns3:_="" ns4:_="">
     <xsd:import namespace="http://schemas.microsoft.com/sharepoint/v3"/>
@@ -9568,27 +9542,35 @@
 </ct:contentTypeSchema>
 </file>
 
-<file path=customXml/itemProps1.xml><?xml version="1.0" encoding="utf-8"?>
-<ds:datastoreItem xmlns:ds="http://schemas.openxmlformats.org/officeDocument/2006/customXml" ds:itemID="{7A22E404-1C8D-48DE-80FC-4CA5DFE37C32}">
-  <ds:schemaRefs>
-    <ds:schemaRef ds:uri="http://schemas.microsoft.com/office/2006/metadata/properties"/>
-    <ds:schemaRef ds:uri="http://schemas.microsoft.com/office/infopath/2007/PartnerControls"/>
-    <ds:schemaRef ds:uri="71af3243-3dd4-4a8d-8c0d-dd76da1f02a5"/>
-    <ds:schemaRef ds:uri="http://schemas.microsoft.com/sharepoint/v3"/>
-    <ds:schemaRef ds:uri="230e9df3-be65-4c73-a93b-d1236ebd677e"/>
-  </ds:schemaRefs>
-</ds:datastoreItem>
+<file path=customXml/item2.xml><?xml version="1.0" encoding="utf-8"?>
+<?mso-contentType ?>
+<FormTemplates xmlns="http://schemas.microsoft.com/sharepoint/v3/contenttype/forms">
+  <Display>DocumentLibraryForm</Display>
+  <Edit>DocumentLibraryForm</Edit>
+  <New>DocumentLibraryForm</New>
+</FormTemplates>
 </file>
 
-<file path=customXml/itemProps2.xml><?xml version="1.0" encoding="utf-8"?>
-<ds:datastoreItem xmlns:ds="http://schemas.openxmlformats.org/officeDocument/2006/customXml" ds:itemID="{1F887BEC-12B5-41C3-87A8-94840B217273}">
-  <ds:schemaRefs>
-    <ds:schemaRef ds:uri="http://schemas.microsoft.com/sharepoint/v3/contenttype/forms"/>
-  </ds:schemaRefs>
-</ds:datastoreItem>
+<file path=customXml/item3.xml><?xml version="1.0" encoding="utf-8"?>
+<p:properties xmlns:p="http://schemas.microsoft.com/office/2006/metadata/properties" xmlns:xsi="http://www.w3.org/2001/XMLSchema-instance" xmlns:pc="http://schemas.microsoft.com/office/infopath/2007/PartnerControls">
+  <documentManagement>
+    <Status xmlns="71af3243-3dd4-4a8d-8c0d-dd76da1f02a5">Not started</Status>
+    <_ip_UnifiedCompliancePolicyUIAction xmlns="http://schemas.microsoft.com/sharepoint/v3" xsi:nil="true"/>
+    <Image xmlns="71af3243-3dd4-4a8d-8c0d-dd76da1f02a5">
+      <Url xsi:nil="true"/>
+      <Description xsi:nil="true"/>
+    </Image>
+    <_ip_UnifiedCompliancePolicyProperties xmlns="http://schemas.microsoft.com/sharepoint/v3" xsi:nil="true"/>
+    <lcf76f155ced4ddcb4097134ff3c332f xmlns="71af3243-3dd4-4a8d-8c0d-dd76da1f02a5">
+      <Terms xmlns="http://schemas.microsoft.com/office/infopath/2007/PartnerControls"/>
+    </lcf76f155ced4ddcb4097134ff3c332f>
+    <TaxCatchAll xmlns="230e9df3-be65-4c73-a93b-d1236ebd677e"/>
+    <MediaServiceKeyPoints xmlns="71af3243-3dd4-4a8d-8c0d-dd76da1f02a5" xsi:nil="true"/>
+  </documentManagement>
+</p:properties>
 </file>
 
-<file path=customXml/itemProps3.xml><?xml version="1.0" encoding="utf-8"?>
+<file path=customXml/itemProps1.xml><?xml version="1.0" encoding="utf-8"?>
 <ds:datastoreItem xmlns:ds="http://schemas.openxmlformats.org/officeDocument/2006/customXml" ds:itemID="{C4F9A873-407D-42B0-99B8-A577ED76CAD4}">
   <ds:schemaRefs>
     <ds:schemaRef ds:uri="http://schemas.microsoft.com/office/2006/metadata/contentType"/>
@@ -9607,4 +9589,24 @@
     <ds:schemaRef ds:uri="http://schemas.microsoft.com/internal/obd"/>
   </ds:schemaRefs>
 </ds:datastoreItem>
+</file>
+
+<file path=customXml/itemProps2.xml><?xml version="1.0" encoding="utf-8"?>
+<ds:datastoreItem xmlns:ds="http://schemas.openxmlformats.org/officeDocument/2006/customXml" ds:itemID="{1F887BEC-12B5-41C3-87A8-94840B217273}">
+  <ds:schemaRefs>
+    <ds:schemaRef ds:uri="http://schemas.microsoft.com/sharepoint/v3/contenttype/forms"/>
+  </ds:schemaRefs>
+</ds:datastoreItem>
+</file>
+
+<file path=customXml/itemProps3.xml><?xml version="1.0" encoding="utf-8"?>
+<ds:datastoreItem xmlns:ds="http://schemas.openxmlformats.org/officeDocument/2006/customXml" ds:itemID="{7A22E404-1C8D-48DE-80FC-4CA5DFE37C32}">
+  <ds:schemaRefs>
+    <ds:schemaRef ds:uri="http://schemas.microsoft.com/office/2006/metadata/properties"/>
+    <ds:schemaRef ds:uri="http://schemas.microsoft.com/office/infopath/2007/PartnerControls"/>
+    <ds:schemaRef ds:uri="71af3243-3dd4-4a8d-8c0d-dd76da1f02a5"/>
+    <ds:schemaRef ds:uri="http://schemas.microsoft.com/sharepoint/v3"/>
+    <ds:schemaRef ds:uri="230e9df3-be65-4c73-a93b-d1236ebd677e"/>
+  </ds:schemaRefs>
+</ds:datastoreItem>
 </file>